--- a/Trending YouTube vidoes.pptx
+++ b/Trending YouTube vidoes.pptx
@@ -5,7 +5,7 @@
     <p:sldMasterId id="2147483660" r:id="rId1"/>
   </p:sldMasterIdLst>
   <p:notesMasterIdLst>
-    <p:notesMasterId r:id="rId12"/>
+    <p:notesMasterId r:id="rId16"/>
   </p:notesMasterIdLst>
   <p:sldIdLst>
     <p:sldId id="256" r:id="rId2"/>
@@ -18,6 +18,10 @@
     <p:sldId id="263" r:id="rId9"/>
     <p:sldId id="264" r:id="rId10"/>
     <p:sldId id="265" r:id="rId11"/>
+    <p:sldId id="266" r:id="rId12"/>
+    <p:sldId id="267" r:id="rId13"/>
+    <p:sldId id="268" r:id="rId14"/>
+    <p:sldId id="269" r:id="rId15"/>
   </p:sldIdLst>
   <p:sldSz cx="12192000" cy="6858000"/>
   <p:notesSz cx="6858000" cy="9144000"/>
@@ -116,6 +120,11 @@
       </a:defRPr>
     </a:lvl9pPr>
   </p:defaultTextStyle>
+  <p:extLst>
+    <p:ext uri="{EFAFB233-063F-42B5-8137-9DF3F51BA10A}">
+      <p15:sldGuideLst xmlns:p15="http://schemas.microsoft.com/office/powerpoint/2012/main"/>
+    </p:ext>
+  </p:extLst>
 </p:presentation>
 </file>
 
@@ -201,7 +210,7 @@
           <a:p>
             <a:fld id="{55DB4F3E-4C52-4DA3-B82E-09A041161F02}" type="datetimeFigureOut">
               <a:rPr lang="en-US" smtClean="0"/>
-              <a:t>10/7/2019</a:t>
+              <a:t>12/2/2019</a:t>
             </a:fld>
             <a:endParaRPr lang="en-US"/>
           </a:p>
@@ -921,7 +930,7 @@
           <a:p>
             <a:fld id="{CC456273-0DFF-436A-A874-DD957CDECC5F}" type="datetime1">
               <a:rPr lang="en-US" smtClean="0"/>
-              <a:t>10/7/2019</a:t>
+              <a:t>12/2/2019</a:t>
             </a:fld>
             <a:endParaRPr lang="en-US"/>
           </a:p>
@@ -1253,7 +1262,7 @@
           <a:p>
             <a:fld id="{3B43CD66-942C-4160-9D90-BD0FF3C7A57C}" type="datetime1">
               <a:rPr lang="en-US" smtClean="0"/>
-              <a:t>10/7/2019</a:t>
+              <a:t>12/2/2019</a:t>
             </a:fld>
             <a:endParaRPr lang="en-US"/>
           </a:p>
@@ -1449,7 +1458,7 @@
           <a:p>
             <a:fld id="{662EA88C-6F25-4F65-9617-C5E31F2D5057}" type="datetime1">
               <a:rPr lang="en-US" smtClean="0"/>
-              <a:t>10/7/2019</a:t>
+              <a:t>12/2/2019</a:t>
             </a:fld>
             <a:endParaRPr lang="en-US"/>
           </a:p>
@@ -1719,7 +1728,7 @@
           <a:p>
             <a:fld id="{9B95E60A-F2F9-4BDD-8839-8E57F1697C7A}" type="datetime1">
               <a:rPr lang="en-US" smtClean="0"/>
-              <a:t>10/7/2019</a:t>
+              <a:t>12/2/2019</a:t>
             </a:fld>
             <a:endParaRPr lang="en-US"/>
           </a:p>
@@ -2147,7 +2156,7 @@
           <a:p>
             <a:fld id="{B1B9E6C3-E9D4-406A-B795-4FB215F18C8E}" type="datetime1">
               <a:rPr lang="en-US" smtClean="0"/>
-              <a:t>10/7/2019</a:t>
+              <a:t>12/2/2019</a:t>
             </a:fld>
             <a:endParaRPr lang="en-US"/>
           </a:p>
@@ -2697,7 +2706,7 @@
           <a:p>
             <a:fld id="{FE5203A8-229A-47EB-8CE0-4B52CB7EED70}" type="datetime1">
               <a:rPr lang="en-US" smtClean="0"/>
-              <a:t>10/7/2019</a:t>
+              <a:t>12/2/2019</a:t>
             </a:fld>
             <a:endParaRPr lang="en-US"/>
           </a:p>
@@ -3487,7 +3496,7 @@
           <a:p>
             <a:fld id="{6525F9F1-E580-4052-9BFD-C901A262AB4D}" type="datetime1">
               <a:rPr lang="en-US" smtClean="0"/>
-              <a:t>10/7/2019</a:t>
+              <a:t>12/2/2019</a:t>
             </a:fld>
             <a:endParaRPr lang="en-US"/>
           </a:p>
@@ -3666,7 +3675,7 @@
           <a:p>
             <a:fld id="{79A82666-8A84-48A6-81C1-857BE7D453BA}" type="datetime1">
               <a:rPr lang="en-US" smtClean="0"/>
-              <a:t>10/7/2019</a:t>
+              <a:t>12/2/2019</a:t>
             </a:fld>
             <a:endParaRPr lang="en-US"/>
           </a:p>
@@ -3850,7 +3859,7 @@
           <a:p>
             <a:fld id="{5CFB93A4-1A25-4C2B-BBCA-433F776222D7}" type="datetime1">
               <a:rPr lang="en-US" smtClean="0"/>
-              <a:t>10/7/2019</a:t>
+              <a:t>12/2/2019</a:t>
             </a:fld>
             <a:endParaRPr lang="en-US"/>
           </a:p>
@@ -4025,7 +4034,7 @@
           <a:p>
             <a:fld id="{8DCE92E6-1043-4A82-BE86-E9128F573A23}" type="datetime1">
               <a:rPr lang="en-US" smtClean="0"/>
-              <a:t>10/7/2019</a:t>
+              <a:t>12/2/2019</a:t>
             </a:fld>
             <a:endParaRPr lang="en-US"/>
           </a:p>
@@ -4275,7 +4284,7 @@
           <a:p>
             <a:fld id="{B33ACAD0-695C-41FD-B1A1-7A997F6F6AD1}" type="datetime1">
               <a:rPr lang="en-US" smtClean="0"/>
-              <a:t>10/7/2019</a:t>
+              <a:t>12/2/2019</a:t>
             </a:fld>
             <a:endParaRPr lang="en-US"/>
           </a:p>
@@ -4512,7 +4521,7 @@
           <a:p>
             <a:fld id="{1F00E312-3E23-4C00-B5C1-CB822812D437}" type="datetime1">
               <a:rPr lang="en-US" smtClean="0"/>
-              <a:t>10/7/2019</a:t>
+              <a:t>12/2/2019</a:t>
             </a:fld>
             <a:endParaRPr lang="en-US"/>
           </a:p>
@@ -4897,7 +4906,7 @@
           <a:p>
             <a:fld id="{EDFD8351-CB7E-4D9F-996D-8A9371DECAA0}" type="datetime1">
               <a:rPr lang="en-US" smtClean="0"/>
-              <a:t>10/7/2019</a:t>
+              <a:t>12/2/2019</a:t>
             </a:fld>
             <a:endParaRPr lang="en-US"/>
           </a:p>
@@ -5015,7 +5024,7 @@
           <a:p>
             <a:fld id="{89CB57A7-9DED-4285-B093-DE93BC7ACA64}" type="datetime1">
               <a:rPr lang="en-US" smtClean="0"/>
-              <a:t>10/7/2019</a:t>
+              <a:t>12/2/2019</a:t>
             </a:fld>
             <a:endParaRPr lang="en-US"/>
           </a:p>
@@ -5110,7 +5119,7 @@
           <a:p>
             <a:fld id="{3DFE7049-BB21-4FEA-8BB3-1C918E22E25F}" type="datetime1">
               <a:rPr lang="en-US" smtClean="0"/>
-              <a:t>10/7/2019</a:t>
+              <a:t>12/2/2019</a:t>
             </a:fld>
             <a:endParaRPr lang="en-US"/>
           </a:p>
@@ -5363,7 +5372,7 @@
           <a:p>
             <a:fld id="{43A7723E-B8A3-43DE-991B-575EAC6E7219}" type="datetime1">
               <a:rPr lang="en-US" smtClean="0"/>
-              <a:t>10/7/2019</a:t>
+              <a:t>12/2/2019</a:t>
             </a:fld>
             <a:endParaRPr lang="en-US"/>
           </a:p>
@@ -5632,7 +5641,7 @@
           <a:p>
             <a:fld id="{FB532CF8-0ABE-4757-B958-8F1EF2F50312}" type="datetime1">
               <a:rPr lang="en-US" smtClean="0"/>
-              <a:t>10/7/2019</a:t>
+              <a:t>12/2/2019</a:t>
             </a:fld>
             <a:endParaRPr lang="en-US"/>
           </a:p>
@@ -6035,7 +6044,7 @@
           <a:p>
             <a:fld id="{42E16242-5038-4A34-BC45-46C15935FA51}" type="datetime1">
               <a:rPr lang="en-US" smtClean="0"/>
-              <a:t>10/7/2019</a:t>
+              <a:t>12/2/2019</a:t>
             </a:fld>
             <a:endParaRPr lang="en-US"/>
           </a:p>
@@ -7368,6 +7377,1308 @@
     <p:extLst>
       <p:ext uri="{BB962C8B-B14F-4D97-AF65-F5344CB8AC3E}">
         <p14:creationId xmlns:p14="http://schemas.microsoft.com/office/powerpoint/2010/main" val="3984139489"/>
+      </p:ext>
+    </p:extLst>
+  </p:cSld>
+  <p:clrMapOvr>
+    <a:masterClrMapping/>
+  </p:clrMapOvr>
+</p:sld>
+</file>
+
+<file path=ppt/slides/slide11.xml><?xml version="1.0" encoding="utf-8"?>
+<p:sld xmlns:a="http://schemas.openxmlformats.org/drawingml/2006/main" xmlns:r="http://schemas.openxmlformats.org/officeDocument/2006/relationships" xmlns:p="http://schemas.openxmlformats.org/presentationml/2006/main">
+  <p:cSld>
+    <p:spTree>
+      <p:nvGrpSpPr>
+        <p:cNvPr id="1" name=""/>
+        <p:cNvGrpSpPr/>
+        <p:nvPr/>
+      </p:nvGrpSpPr>
+      <p:grpSpPr>
+        <a:xfrm>
+          <a:off x="0" y="0"/>
+          <a:ext cx="0" cy="0"/>
+          <a:chOff x="0" y="0"/>
+          <a:chExt cx="0" cy="0"/>
+        </a:xfrm>
+      </p:grpSpPr>
+      <p:sp>
+        <p:nvSpPr>
+          <p:cNvPr id="2" name="Title 1">
+            <a:extLst>
+              <a:ext uri="{FF2B5EF4-FFF2-40B4-BE49-F238E27FC236}">
+                <a16:creationId xmlns:a16="http://schemas.microsoft.com/office/drawing/2014/main" id="{5292F418-50D5-47FD-A916-7973725728EA}"/>
+              </a:ext>
+            </a:extLst>
+          </p:cNvPr>
+          <p:cNvSpPr>
+            <a:spLocks noGrp="1"/>
+          </p:cNvSpPr>
+          <p:nvPr>
+            <p:ph type="title"/>
+          </p:nvPr>
+        </p:nvSpPr>
+        <p:spPr/>
+        <p:txBody>
+          <a:bodyPr/>
+          <a:lstStyle/>
+          <a:p>
+            <a:r>
+              <a:rPr lang="en-US" dirty="0"/>
+              <a:t>Machine Learning</a:t>
+            </a:r>
+          </a:p>
+        </p:txBody>
+      </p:sp>
+      <p:sp>
+        <p:nvSpPr>
+          <p:cNvPr id="3" name="Content Placeholder 2">
+            <a:extLst>
+              <a:ext uri="{FF2B5EF4-FFF2-40B4-BE49-F238E27FC236}">
+                <a16:creationId xmlns:a16="http://schemas.microsoft.com/office/drawing/2014/main" id="{34D7159B-04DE-4196-A594-DBC27FCE773B}"/>
+              </a:ext>
+            </a:extLst>
+          </p:cNvPr>
+          <p:cNvSpPr>
+            <a:spLocks noGrp="1"/>
+          </p:cNvSpPr>
+          <p:nvPr>
+            <p:ph sz="quarter" idx="13"/>
+          </p:nvPr>
+        </p:nvSpPr>
+        <p:spPr/>
+        <p:txBody>
+          <a:bodyPr>
+            <a:normAutofit/>
+          </a:bodyPr>
+          <a:lstStyle/>
+          <a:p>
+            <a:r>
+              <a:rPr lang="en-US" dirty="0"/>
+              <a:t>Machine learning can be used to predict the number of views.</a:t>
+            </a:r>
+          </a:p>
+          <a:p>
+            <a:r>
+              <a:rPr lang="en-US" dirty="0"/>
+              <a:t>The log of views is used as target</a:t>
+            </a:r>
+          </a:p>
+          <a:p>
+            <a:r>
+              <a:rPr lang="en-US" dirty="0"/>
+              <a:t>Dataset split into 75% training and 25% test data.</a:t>
+            </a:r>
+          </a:p>
+          <a:p>
+            <a:pPr lvl="1">
+              <a:buFont typeface="Wingdings" panose="05000000000000000000" pitchFamily="2" charset="2"/>
+              <a:buChar char="§"/>
+            </a:pPr>
+            <a:r>
+              <a:rPr lang="en-US" dirty="0"/>
+              <a:t>Linear</a:t>
+            </a:r>
+          </a:p>
+          <a:p>
+            <a:pPr lvl="1">
+              <a:buFont typeface="Wingdings" panose="05000000000000000000" pitchFamily="2" charset="2"/>
+              <a:buChar char="§"/>
+            </a:pPr>
+            <a:r>
+              <a:rPr lang="en-US" dirty="0"/>
+              <a:t>Random Forest</a:t>
+            </a:r>
+          </a:p>
+          <a:p>
+            <a:pPr lvl="1">
+              <a:buFont typeface="Wingdings" panose="05000000000000000000" pitchFamily="2" charset="2"/>
+              <a:buChar char="§"/>
+            </a:pPr>
+            <a:r>
+              <a:rPr lang="en-US" dirty="0"/>
+              <a:t>Gradient boosting</a:t>
+            </a:r>
+          </a:p>
+          <a:p>
+            <a:pPr lvl="1">
+              <a:buFont typeface="Wingdings" panose="05000000000000000000" pitchFamily="2" charset="2"/>
+              <a:buChar char="§"/>
+            </a:pPr>
+            <a:r>
+              <a:rPr lang="en-US" dirty="0" err="1"/>
+              <a:t>XGBoost</a:t>
+            </a:r>
+            <a:r>
+              <a:rPr lang="en-US" dirty="0"/>
+              <a:t>  </a:t>
+            </a:r>
+          </a:p>
+        </p:txBody>
+      </p:sp>
+      <p:sp>
+        <p:nvSpPr>
+          <p:cNvPr id="4" name="Slide Number Placeholder 3">
+            <a:extLst>
+              <a:ext uri="{FF2B5EF4-FFF2-40B4-BE49-F238E27FC236}">
+                <a16:creationId xmlns:a16="http://schemas.microsoft.com/office/drawing/2014/main" id="{DD1509D1-B695-4308-8A25-A8D20C30F089}"/>
+              </a:ext>
+            </a:extLst>
+          </p:cNvPr>
+          <p:cNvSpPr>
+            <a:spLocks noGrp="1"/>
+          </p:cNvSpPr>
+          <p:nvPr>
+            <p:ph type="sldNum" sz="quarter" idx="12"/>
+          </p:nvPr>
+        </p:nvSpPr>
+        <p:spPr/>
+        <p:txBody>
+          <a:bodyPr/>
+          <a:lstStyle/>
+          <a:p>
+            <a:fld id="{A7D51BD6-EB65-44FA-96DB-E56A29518AEB}" type="slidenum">
+              <a:rPr lang="en-US" smtClean="0"/>
+              <a:t>11</a:t>
+            </a:fld>
+            <a:endParaRPr lang="en-US"/>
+          </a:p>
+        </p:txBody>
+      </p:sp>
+    </p:spTree>
+    <p:extLst>
+      <p:ext uri="{BB962C8B-B14F-4D97-AF65-F5344CB8AC3E}">
+        <p14:creationId xmlns:p14="http://schemas.microsoft.com/office/powerpoint/2010/main" val="1197641957"/>
+      </p:ext>
+    </p:extLst>
+  </p:cSld>
+  <p:clrMapOvr>
+    <a:masterClrMapping/>
+  </p:clrMapOvr>
+</p:sld>
+</file>
+
+<file path=ppt/slides/slide12.xml><?xml version="1.0" encoding="utf-8"?>
+<p:sld xmlns:a="http://schemas.openxmlformats.org/drawingml/2006/main" xmlns:r="http://schemas.openxmlformats.org/officeDocument/2006/relationships" xmlns:p="http://schemas.openxmlformats.org/presentationml/2006/main">
+  <p:cSld>
+    <p:bg>
+      <p:bgPr>
+        <a:blipFill>
+          <a:blip r:embed="rId2">
+            <a:duotone>
+              <a:schemeClr val="bg1">
+                <a:shade val="48000"/>
+                <a:satMod val="110000"/>
+                <a:lumMod val="40000"/>
+              </a:schemeClr>
+              <a:schemeClr val="bg1">
+                <a:tint val="90000"/>
+                <a:lumMod val="106000"/>
+              </a:schemeClr>
+            </a:duotone>
+          </a:blip>
+          <a:stretch/>
+        </a:blipFill>
+        <a:effectLst/>
+      </p:bgPr>
+    </p:bg>
+    <p:spTree>
+      <p:nvGrpSpPr>
+        <p:cNvPr id="1" name=""/>
+        <p:cNvGrpSpPr/>
+        <p:nvPr/>
+      </p:nvGrpSpPr>
+      <p:grpSpPr>
+        <a:xfrm>
+          <a:off x="0" y="0"/>
+          <a:ext cx="0" cy="0"/>
+          <a:chOff x="0" y="0"/>
+          <a:chExt cx="0" cy="0"/>
+        </a:xfrm>
+      </p:grpSpPr>
+      <p:sp>
+        <p:nvSpPr>
+          <p:cNvPr id="2" name="Title 1">
+            <a:extLst>
+              <a:ext uri="{FF2B5EF4-FFF2-40B4-BE49-F238E27FC236}">
+                <a16:creationId xmlns:a16="http://schemas.microsoft.com/office/drawing/2014/main" id="{06119F6B-4EDC-4DEF-983F-47A96DF5D6D4}"/>
+              </a:ext>
+            </a:extLst>
+          </p:cNvPr>
+          <p:cNvSpPr>
+            <a:spLocks noGrp="1"/>
+          </p:cNvSpPr>
+          <p:nvPr>
+            <p:ph type="title"/>
+          </p:nvPr>
+        </p:nvSpPr>
+        <p:spPr>
+          <a:xfrm>
+            <a:off x="8009812" y="685800"/>
+            <a:ext cx="3072869" cy="1151965"/>
+          </a:xfrm>
+        </p:spPr>
+        <p:txBody>
+          <a:bodyPr>
+            <a:normAutofit fontScale="90000"/>
+          </a:bodyPr>
+          <a:lstStyle/>
+          <a:p>
+            <a:r>
+              <a:rPr lang="en-US" sz="4400" dirty="0"/>
+              <a:t>Model Performance</a:t>
+            </a:r>
+          </a:p>
+        </p:txBody>
+      </p:sp>
+      <p:sp>
+        <p:nvSpPr>
+          <p:cNvPr id="10" name="Rectangle 9">
+            <a:extLst>
+              <a:ext uri="{FF2B5EF4-FFF2-40B4-BE49-F238E27FC236}">
+                <a16:creationId xmlns:a16="http://schemas.microsoft.com/office/drawing/2014/main" id="{40EBDF3C-61A6-450C-8532-9276D9A1EB04}"/>
+              </a:ext>
+              <a:ext uri="{C183D7F6-B498-43B3-948B-1728B52AA6E4}">
+                <adec:decorative xmlns:adec="http://schemas.microsoft.com/office/drawing/2017/decorative" val="1"/>
+              </a:ext>
+            </a:extLst>
+          </p:cNvPr>
+          <p:cNvSpPr>
+            <a:spLocks noGrp="1" noRot="1" noChangeAspect="1" noMove="1" noResize="1" noEditPoints="1" noAdjustHandles="1" noChangeArrowheads="1" noChangeShapeType="1" noTextEdit="1"/>
+          </p:cNvSpPr>
+          <p:nvPr>
+            <p:extLst>
+              <p:ext uri="{386F3935-93C4-4BCD-93E2-E3B085C9AB24}">
+                <p16:designElem xmlns:p16="http://schemas.microsoft.com/office/powerpoint/2015/main" val="1"/>
+              </p:ext>
+            </p:extLst>
+          </p:nvPr>
+        </p:nvSpPr>
+        <p:spPr>
+          <a:xfrm>
+            <a:off x="500240" y="457200"/>
+            <a:ext cx="7045932" cy="4686138"/>
+          </a:xfrm>
+          <a:prstGeom prst="rect">
+            <a:avLst/>
+          </a:prstGeom>
+          <a:solidFill>
+            <a:schemeClr val="bg1"/>
+          </a:solidFill>
+          <a:ln w="57150" cmpd="thinThick">
+            <a:solidFill>
+              <a:schemeClr val="bg1">
+                <a:lumMod val="50000"/>
+              </a:schemeClr>
+            </a:solidFill>
+            <a:miter lim="800000"/>
+          </a:ln>
+        </p:spPr>
+        <p:style>
+          <a:lnRef idx="2">
+            <a:schemeClr val="accent1">
+              <a:shade val="50000"/>
+            </a:schemeClr>
+          </a:lnRef>
+          <a:fillRef idx="1">
+            <a:schemeClr val="accent1"/>
+          </a:fillRef>
+          <a:effectRef idx="0">
+            <a:schemeClr val="accent1"/>
+          </a:effectRef>
+          <a:fontRef idx="minor">
+            <a:schemeClr val="lt1"/>
+          </a:fontRef>
+        </p:style>
+        <p:txBody>
+          <a:bodyPr rtlCol="0" anchor="ctr"/>
+          <a:lstStyle/>
+          <a:p>
+            <a:pPr algn="ctr"/>
+            <a:endParaRPr lang="en-US"/>
+          </a:p>
+        </p:txBody>
+      </p:sp>
+      <p:sp>
+        <p:nvSpPr>
+          <p:cNvPr id="3" name="Content Placeholder 2">
+            <a:extLst>
+              <a:ext uri="{FF2B5EF4-FFF2-40B4-BE49-F238E27FC236}">
+                <a16:creationId xmlns:a16="http://schemas.microsoft.com/office/drawing/2014/main" id="{BB8CC9AE-DE71-4C76-B6B4-1DDFECCD1B03}"/>
+              </a:ext>
+            </a:extLst>
+          </p:cNvPr>
+          <p:cNvSpPr>
+            <a:spLocks noGrp="1"/>
+          </p:cNvSpPr>
+          <p:nvPr>
+            <p:ph sz="quarter" idx="13"/>
+          </p:nvPr>
+        </p:nvSpPr>
+        <p:spPr>
+          <a:xfrm>
+            <a:off x="8006592" y="2071048"/>
+            <a:ext cx="3076090" cy="3072290"/>
+          </a:xfrm>
+        </p:spPr>
+        <p:txBody>
+          <a:bodyPr anchor="t">
+            <a:normAutofit/>
+          </a:bodyPr>
+          <a:lstStyle/>
+          <a:p>
+            <a:r>
+              <a:rPr lang="en-US" sz="1800"/>
+              <a:t>Random Forest, Gradient boost and Xgboost perform better than linear model</a:t>
+            </a:r>
+          </a:p>
+          <a:p>
+            <a:r>
+              <a:rPr lang="en-US" sz="1800"/>
+              <a:t>XGBoost has better metrics</a:t>
+            </a:r>
+          </a:p>
+          <a:p>
+            <a:endParaRPr lang="en-US" sz="1800"/>
+          </a:p>
+          <a:p>
+            <a:endParaRPr lang="en-US" sz="1800"/>
+          </a:p>
+        </p:txBody>
+      </p:sp>
+      <p:sp>
+        <p:nvSpPr>
+          <p:cNvPr id="4" name="Slide Number Placeholder 3">
+            <a:extLst>
+              <a:ext uri="{FF2B5EF4-FFF2-40B4-BE49-F238E27FC236}">
+                <a16:creationId xmlns:a16="http://schemas.microsoft.com/office/drawing/2014/main" id="{3F061EDD-AA1A-4BEB-B6A3-D4D2F47EACE7}"/>
+              </a:ext>
+            </a:extLst>
+          </p:cNvPr>
+          <p:cNvSpPr>
+            <a:spLocks noGrp="1"/>
+          </p:cNvSpPr>
+          <p:nvPr>
+            <p:ph type="sldNum" sz="quarter" idx="12"/>
+          </p:nvPr>
+        </p:nvSpPr>
+        <p:spPr>
+          <a:xfrm>
+            <a:off x="6287121" y="5757334"/>
+            <a:ext cx="907186" cy="498470"/>
+          </a:xfrm>
+        </p:spPr>
+        <p:txBody>
+          <a:bodyPr>
+            <a:normAutofit/>
+          </a:bodyPr>
+          <a:lstStyle/>
+          <a:p>
+            <a:pPr>
+              <a:lnSpc>
+                <a:spcPct val="90000"/>
+              </a:lnSpc>
+              <a:spcAft>
+                <a:spcPts val="600"/>
+              </a:spcAft>
+            </a:pPr>
+            <a:fld id="{A7D51BD6-EB65-44FA-96DB-E56A29518AEB}" type="slidenum">
+              <a:rPr lang="en-US" sz="2700" smtClean="0"/>
+              <a:pPr>
+                <a:lnSpc>
+                  <a:spcPct val="90000"/>
+                </a:lnSpc>
+                <a:spcAft>
+                  <a:spcPts val="600"/>
+                </a:spcAft>
+              </a:pPr>
+              <a:t>12</a:t>
+            </a:fld>
+            <a:endParaRPr lang="en-US" sz="2700"/>
+          </a:p>
+        </p:txBody>
+      </p:sp>
+      <p:graphicFrame>
+        <p:nvGraphicFramePr>
+          <p:cNvPr id="5" name="Table 4">
+            <a:extLst>
+              <a:ext uri="{FF2B5EF4-FFF2-40B4-BE49-F238E27FC236}">
+                <a16:creationId xmlns:a16="http://schemas.microsoft.com/office/drawing/2014/main" id="{3F40E3F6-E932-4079-B33A-B361ACA6299E}"/>
+              </a:ext>
+            </a:extLst>
+          </p:cNvPr>
+          <p:cNvGraphicFramePr>
+            <a:graphicFrameLocks noGrp="1"/>
+          </p:cNvGraphicFramePr>
+          <p:nvPr>
+            <p:extLst>
+              <p:ext uri="{D42A27DB-BD31-4B8C-83A1-F6EECF244321}">
+                <p14:modId xmlns:p14="http://schemas.microsoft.com/office/powerpoint/2010/main" val="2769330040"/>
+              </p:ext>
+            </p:extLst>
+          </p:nvPr>
+        </p:nvGraphicFramePr>
+        <p:xfrm>
+          <a:off x="750707" y="1164048"/>
+          <a:ext cx="6557899" cy="3550192"/>
+        </p:xfrm>
+        <a:graphic>
+          <a:graphicData uri="http://schemas.openxmlformats.org/drawingml/2006/table">
+            <a:tbl>
+              <a:tblPr firstRow="1" firstCol="1" bandRow="1">
+                <a:tableStyleId>{5C22544A-7EE6-4342-B048-85BDC9FD1C3A}</a:tableStyleId>
+              </a:tblPr>
+              <a:tblGrid>
+                <a:gridCol w="1503704">
+                  <a:extLst>
+                    <a:ext uri="{9D8B030D-6E8A-4147-A177-3AD203B41FA5}">
+                      <a16:colId xmlns:a16="http://schemas.microsoft.com/office/drawing/2014/main" val="1620173136"/>
+                    </a:ext>
+                  </a:extLst>
+                </a:gridCol>
+                <a:gridCol w="2549902">
+                  <a:extLst>
+                    <a:ext uri="{9D8B030D-6E8A-4147-A177-3AD203B41FA5}">
+                      <a16:colId xmlns:a16="http://schemas.microsoft.com/office/drawing/2014/main" val="1875612044"/>
+                    </a:ext>
+                  </a:extLst>
+                </a:gridCol>
+                <a:gridCol w="1019397">
+                  <a:extLst>
+                    <a:ext uri="{9D8B030D-6E8A-4147-A177-3AD203B41FA5}">
+                      <a16:colId xmlns:a16="http://schemas.microsoft.com/office/drawing/2014/main" val="3754564214"/>
+                    </a:ext>
+                  </a:extLst>
+                </a:gridCol>
+                <a:gridCol w="1484896">
+                  <a:extLst>
+                    <a:ext uri="{9D8B030D-6E8A-4147-A177-3AD203B41FA5}">
+                      <a16:colId xmlns:a16="http://schemas.microsoft.com/office/drawing/2014/main" val="506116724"/>
+                    </a:ext>
+                  </a:extLst>
+                </a:gridCol>
+              </a:tblGrid>
+              <a:tr h="445421">
+                <a:tc>
+                  <a:txBody>
+                    <a:bodyPr/>
+                    <a:lstStyle/>
+                    <a:p>
+                      <a:pPr marL="0" marR="0" algn="just">
+                        <a:lnSpc>
+                          <a:spcPct val="150000"/>
+                        </a:lnSpc>
+                        <a:spcBef>
+                          <a:spcPts val="0"/>
+                        </a:spcBef>
+                        <a:spcAft>
+                          <a:spcPts val="0"/>
+                        </a:spcAft>
+                      </a:pPr>
+                      <a:r>
+                        <a:rPr lang="en-US" sz="1800">
+                          <a:effectLst/>
+                        </a:rPr>
+                        <a:t> </a:t>
+                      </a:r>
+                      <a:endParaRPr lang="en-US" sz="1600">
+                        <a:effectLst/>
+                        <a:latin typeface="Arial" panose="020B0604020202020204" pitchFamily="34" charset="0"/>
+                        <a:ea typeface="Arial" panose="020B0604020202020204" pitchFamily="34" charset="0"/>
+                      </a:endParaRPr>
+                    </a:p>
+                  </a:txBody>
+                  <a:tcPr marL="101563" marR="101563" marT="0" marB="0"/>
+                </a:tc>
+                <a:tc>
+                  <a:txBody>
+                    <a:bodyPr/>
+                    <a:lstStyle/>
+                    <a:p>
+                      <a:pPr marL="0" marR="0" algn="just">
+                        <a:lnSpc>
+                          <a:spcPct val="150000"/>
+                        </a:lnSpc>
+                        <a:spcBef>
+                          <a:spcPts val="0"/>
+                        </a:spcBef>
+                        <a:spcAft>
+                          <a:spcPts val="0"/>
+                        </a:spcAft>
+                      </a:pPr>
+                      <a:r>
+                        <a:rPr lang="en-US" sz="1800" b="0">
+                          <a:effectLst/>
+                        </a:rPr>
+                        <a:t>R</a:t>
+                      </a:r>
+                      <a:r>
+                        <a:rPr lang="en-US" sz="1800" b="0" baseline="30000">
+                          <a:effectLst/>
+                        </a:rPr>
+                        <a:t>2</a:t>
+                      </a:r>
+                      <a:endParaRPr lang="en-US" sz="1600" b="0">
+                        <a:effectLst/>
+                        <a:latin typeface="Arial" panose="020B0604020202020204" pitchFamily="34" charset="0"/>
+                        <a:ea typeface="Arial" panose="020B0604020202020204" pitchFamily="34" charset="0"/>
+                      </a:endParaRPr>
+                    </a:p>
+                  </a:txBody>
+                  <a:tcPr marL="101563" marR="101563" marT="0" marB="0"/>
+                </a:tc>
+                <a:tc>
+                  <a:txBody>
+                    <a:bodyPr/>
+                    <a:lstStyle/>
+                    <a:p>
+                      <a:pPr marL="0" marR="0" algn="just">
+                        <a:lnSpc>
+                          <a:spcPct val="150000"/>
+                        </a:lnSpc>
+                        <a:spcBef>
+                          <a:spcPts val="0"/>
+                        </a:spcBef>
+                        <a:spcAft>
+                          <a:spcPts val="0"/>
+                        </a:spcAft>
+                      </a:pPr>
+                      <a:r>
+                        <a:rPr lang="en-US" sz="1800" b="0">
+                          <a:effectLst/>
+                        </a:rPr>
+                        <a:t>RMSE</a:t>
+                      </a:r>
+                      <a:endParaRPr lang="en-US" sz="1600" b="0">
+                        <a:effectLst/>
+                        <a:latin typeface="Arial" panose="020B0604020202020204" pitchFamily="34" charset="0"/>
+                        <a:ea typeface="Arial" panose="020B0604020202020204" pitchFamily="34" charset="0"/>
+                      </a:endParaRPr>
+                    </a:p>
+                  </a:txBody>
+                  <a:tcPr marL="101563" marR="101563" marT="0" marB="0"/>
+                </a:tc>
+                <a:tc>
+                  <a:txBody>
+                    <a:bodyPr/>
+                    <a:lstStyle/>
+                    <a:p>
+                      <a:pPr marL="0" marR="0" algn="just">
+                        <a:lnSpc>
+                          <a:spcPct val="150000"/>
+                        </a:lnSpc>
+                        <a:spcBef>
+                          <a:spcPts val="0"/>
+                        </a:spcBef>
+                        <a:spcAft>
+                          <a:spcPts val="0"/>
+                        </a:spcAft>
+                      </a:pPr>
+                      <a:r>
+                        <a:rPr lang="en-US" sz="1800" b="0" dirty="0">
+                          <a:effectLst/>
+                        </a:rPr>
+                        <a:t>MAPE (%) </a:t>
+                      </a:r>
+                      <a:endParaRPr lang="en-US" sz="1600" b="0" dirty="0">
+                        <a:effectLst/>
+                        <a:latin typeface="Arial" panose="020B0604020202020204" pitchFamily="34" charset="0"/>
+                        <a:ea typeface="Arial" panose="020B0604020202020204" pitchFamily="34" charset="0"/>
+                      </a:endParaRPr>
+                    </a:p>
+                  </a:txBody>
+                  <a:tcPr marL="101563" marR="101563" marT="0" marB="0"/>
+                </a:tc>
+                <a:extLst>
+                  <a:ext uri="{0D108BD9-81ED-4DB2-BD59-A6C34878D82A}">
+                    <a16:rowId xmlns:a16="http://schemas.microsoft.com/office/drawing/2014/main" val="485617593"/>
+                  </a:ext>
+                </a:extLst>
+              </a:tr>
+              <a:tr h="445421">
+                <a:tc>
+                  <a:txBody>
+                    <a:bodyPr/>
+                    <a:lstStyle/>
+                    <a:p>
+                      <a:pPr marL="0" marR="0" algn="just">
+                        <a:lnSpc>
+                          <a:spcPct val="150000"/>
+                        </a:lnSpc>
+                        <a:spcBef>
+                          <a:spcPts val="0"/>
+                        </a:spcBef>
+                        <a:spcAft>
+                          <a:spcPts val="0"/>
+                        </a:spcAft>
+                      </a:pPr>
+                      <a:r>
+                        <a:rPr lang="en-US" sz="1800" b="0">
+                          <a:effectLst/>
+                        </a:rPr>
+                        <a:t>XGBoost</a:t>
+                      </a:r>
+                      <a:endParaRPr lang="en-US" sz="1600" b="0">
+                        <a:effectLst/>
+                        <a:latin typeface="Arial" panose="020B0604020202020204" pitchFamily="34" charset="0"/>
+                        <a:ea typeface="Arial" panose="020B0604020202020204" pitchFamily="34" charset="0"/>
+                      </a:endParaRPr>
+                    </a:p>
+                  </a:txBody>
+                  <a:tcPr marL="101563" marR="101563" marT="0" marB="0"/>
+                </a:tc>
+                <a:tc>
+                  <a:txBody>
+                    <a:bodyPr/>
+                    <a:lstStyle/>
+                    <a:p>
+                      <a:r>
+                        <a:rPr lang="en-US" sz="1600" b="0">
+                          <a:effectLst/>
+                        </a:rPr>
+                        <a:t>0.8522405976757502</a:t>
+                      </a:r>
+                      <a:endParaRPr lang="en-US" sz="1600" b="0">
+                        <a:effectLst/>
+                        <a:latin typeface="Arial" panose="020B0604020202020204" pitchFamily="34" charset="0"/>
+                      </a:endParaRPr>
+                    </a:p>
+                  </a:txBody>
+                  <a:tcPr marL="101563" marR="101563" marT="0" marB="0"/>
+                </a:tc>
+                <a:tc>
+                  <a:txBody>
+                    <a:bodyPr/>
+                    <a:lstStyle/>
+                    <a:p>
+                      <a:r>
+                        <a:rPr lang="en-US" sz="1600" b="0">
+                          <a:effectLst/>
+                        </a:rPr>
+                        <a:t>1.0</a:t>
+                      </a:r>
+                      <a:endParaRPr lang="en-US" sz="1600" b="0">
+                        <a:effectLst/>
+                        <a:latin typeface="Arial" panose="020B0604020202020204" pitchFamily="34" charset="0"/>
+                      </a:endParaRPr>
+                    </a:p>
+                  </a:txBody>
+                  <a:tcPr marL="101563" marR="101563" marT="0" marB="0"/>
+                </a:tc>
+                <a:tc>
+                  <a:txBody>
+                    <a:bodyPr/>
+                    <a:lstStyle/>
+                    <a:p>
+                      <a:r>
+                        <a:rPr lang="en-US" sz="1600" b="0">
+                          <a:effectLst/>
+                        </a:rPr>
+                        <a:t>4.14</a:t>
+                      </a:r>
+                      <a:endParaRPr lang="en-US" sz="1600" b="0">
+                        <a:effectLst/>
+                        <a:latin typeface="Arial" panose="020B0604020202020204" pitchFamily="34" charset="0"/>
+                      </a:endParaRPr>
+                    </a:p>
+                  </a:txBody>
+                  <a:tcPr marL="101563" marR="101563" marT="0" marB="0"/>
+                </a:tc>
+                <a:extLst>
+                  <a:ext uri="{0D108BD9-81ED-4DB2-BD59-A6C34878D82A}">
+                    <a16:rowId xmlns:a16="http://schemas.microsoft.com/office/drawing/2014/main" val="1044150649"/>
+                  </a:ext>
+                </a:extLst>
+              </a:tr>
+              <a:tr h="886450">
+                <a:tc>
+                  <a:txBody>
+                    <a:bodyPr/>
+                    <a:lstStyle/>
+                    <a:p>
+                      <a:pPr marL="0" marR="0" algn="just">
+                        <a:lnSpc>
+                          <a:spcPct val="150000"/>
+                        </a:lnSpc>
+                        <a:spcBef>
+                          <a:spcPts val="0"/>
+                        </a:spcBef>
+                        <a:spcAft>
+                          <a:spcPts val="0"/>
+                        </a:spcAft>
+                      </a:pPr>
+                      <a:r>
+                        <a:rPr lang="en-US" sz="1800" b="0">
+                          <a:effectLst/>
+                        </a:rPr>
+                        <a:t>Gradient Boosting</a:t>
+                      </a:r>
+                      <a:endParaRPr lang="en-US" sz="1600" b="0">
+                        <a:effectLst/>
+                        <a:latin typeface="Arial" panose="020B0604020202020204" pitchFamily="34" charset="0"/>
+                        <a:ea typeface="Arial" panose="020B0604020202020204" pitchFamily="34" charset="0"/>
+                      </a:endParaRPr>
+                    </a:p>
+                  </a:txBody>
+                  <a:tcPr marL="101563" marR="101563" marT="0" marB="0"/>
+                </a:tc>
+                <a:tc>
+                  <a:txBody>
+                    <a:bodyPr/>
+                    <a:lstStyle/>
+                    <a:p>
+                      <a:r>
+                        <a:rPr lang="en-US" sz="1600" b="0">
+                          <a:effectLst/>
+                        </a:rPr>
+                        <a:t>0.8350626520575262</a:t>
+                      </a:r>
+                      <a:endParaRPr lang="en-US" sz="1600" b="0">
+                        <a:effectLst/>
+                        <a:latin typeface="Arial" panose="020B0604020202020204" pitchFamily="34" charset="0"/>
+                      </a:endParaRPr>
+                    </a:p>
+                  </a:txBody>
+                  <a:tcPr marL="101563" marR="101563" marT="0" marB="0"/>
+                </a:tc>
+                <a:tc>
+                  <a:txBody>
+                    <a:bodyPr/>
+                    <a:lstStyle/>
+                    <a:p>
+                      <a:r>
+                        <a:rPr lang="en-US" sz="1600" b="0">
+                          <a:effectLst/>
+                        </a:rPr>
+                        <a:t>1.0</a:t>
+                      </a:r>
+                      <a:endParaRPr lang="en-US" sz="1600" b="0">
+                        <a:effectLst/>
+                        <a:latin typeface="Arial" panose="020B0604020202020204" pitchFamily="34" charset="0"/>
+                      </a:endParaRPr>
+                    </a:p>
+                  </a:txBody>
+                  <a:tcPr marL="101563" marR="101563" marT="0" marB="0"/>
+                </a:tc>
+                <a:tc>
+                  <a:txBody>
+                    <a:bodyPr/>
+                    <a:lstStyle/>
+                    <a:p>
+                      <a:r>
+                        <a:rPr lang="en-US" sz="1600" b="0">
+                          <a:effectLst/>
+                        </a:rPr>
+                        <a:t>4.39</a:t>
+                      </a:r>
+                      <a:endParaRPr lang="en-US" sz="1600" b="0">
+                        <a:effectLst/>
+                        <a:latin typeface="Arial" panose="020B0604020202020204" pitchFamily="34" charset="0"/>
+                      </a:endParaRPr>
+                    </a:p>
+                  </a:txBody>
+                  <a:tcPr marL="101563" marR="101563" marT="0" marB="0"/>
+                </a:tc>
+                <a:extLst>
+                  <a:ext uri="{0D108BD9-81ED-4DB2-BD59-A6C34878D82A}">
+                    <a16:rowId xmlns:a16="http://schemas.microsoft.com/office/drawing/2014/main" val="2174922364"/>
+                  </a:ext>
+                </a:extLst>
+              </a:tr>
+              <a:tr h="886450">
+                <a:tc>
+                  <a:txBody>
+                    <a:bodyPr/>
+                    <a:lstStyle/>
+                    <a:p>
+                      <a:pPr marL="0" marR="0" algn="just">
+                        <a:lnSpc>
+                          <a:spcPct val="150000"/>
+                        </a:lnSpc>
+                        <a:spcBef>
+                          <a:spcPts val="0"/>
+                        </a:spcBef>
+                        <a:spcAft>
+                          <a:spcPts val="0"/>
+                        </a:spcAft>
+                      </a:pPr>
+                      <a:r>
+                        <a:rPr lang="en-US" sz="1800" b="0">
+                          <a:effectLst/>
+                        </a:rPr>
+                        <a:t>Random Forest</a:t>
+                      </a:r>
+                      <a:endParaRPr lang="en-US" sz="1600" b="0">
+                        <a:effectLst/>
+                        <a:latin typeface="Arial" panose="020B0604020202020204" pitchFamily="34" charset="0"/>
+                        <a:ea typeface="Arial" panose="020B0604020202020204" pitchFamily="34" charset="0"/>
+                      </a:endParaRPr>
+                    </a:p>
+                  </a:txBody>
+                  <a:tcPr marL="101563" marR="101563" marT="0" marB="0"/>
+                </a:tc>
+                <a:tc>
+                  <a:txBody>
+                    <a:bodyPr/>
+                    <a:lstStyle/>
+                    <a:p>
+                      <a:r>
+                        <a:rPr lang="en-US" sz="1600" b="0">
+                          <a:effectLst/>
+                        </a:rPr>
+                        <a:t>0.8305999576526518</a:t>
+                      </a:r>
+                      <a:endParaRPr lang="en-US" sz="1600" b="0">
+                        <a:effectLst/>
+                        <a:latin typeface="Arial" panose="020B0604020202020204" pitchFamily="34" charset="0"/>
+                      </a:endParaRPr>
+                    </a:p>
+                  </a:txBody>
+                  <a:tcPr marL="101563" marR="101563" marT="0" marB="0"/>
+                </a:tc>
+                <a:tc>
+                  <a:txBody>
+                    <a:bodyPr/>
+                    <a:lstStyle/>
+                    <a:p>
+                      <a:r>
+                        <a:rPr lang="en-US" sz="1600" b="0">
+                          <a:effectLst/>
+                        </a:rPr>
+                        <a:t>1.0</a:t>
+                      </a:r>
+                      <a:endParaRPr lang="en-US" sz="1600" b="0">
+                        <a:effectLst/>
+                        <a:latin typeface="Arial" panose="020B0604020202020204" pitchFamily="34" charset="0"/>
+                      </a:endParaRPr>
+                    </a:p>
+                  </a:txBody>
+                  <a:tcPr marL="101563" marR="101563" marT="0" marB="0"/>
+                </a:tc>
+                <a:tc>
+                  <a:txBody>
+                    <a:bodyPr/>
+                    <a:lstStyle/>
+                    <a:p>
+                      <a:r>
+                        <a:rPr lang="en-US" sz="1600" b="0">
+                          <a:effectLst/>
+                        </a:rPr>
+                        <a:t>4.28</a:t>
+                      </a:r>
+                      <a:endParaRPr lang="en-US" sz="1600" b="0">
+                        <a:effectLst/>
+                        <a:latin typeface="Arial" panose="020B0604020202020204" pitchFamily="34" charset="0"/>
+                      </a:endParaRPr>
+                    </a:p>
+                  </a:txBody>
+                  <a:tcPr marL="101563" marR="101563" marT="0" marB="0"/>
+                </a:tc>
+                <a:extLst>
+                  <a:ext uri="{0D108BD9-81ED-4DB2-BD59-A6C34878D82A}">
+                    <a16:rowId xmlns:a16="http://schemas.microsoft.com/office/drawing/2014/main" val="3742619902"/>
+                  </a:ext>
+                </a:extLst>
+              </a:tr>
+              <a:tr h="886450">
+                <a:tc>
+                  <a:txBody>
+                    <a:bodyPr/>
+                    <a:lstStyle/>
+                    <a:p>
+                      <a:pPr marL="0" marR="0" algn="just">
+                        <a:lnSpc>
+                          <a:spcPct val="150000"/>
+                        </a:lnSpc>
+                        <a:spcBef>
+                          <a:spcPts val="0"/>
+                        </a:spcBef>
+                        <a:spcAft>
+                          <a:spcPts val="0"/>
+                        </a:spcAft>
+                      </a:pPr>
+                      <a:r>
+                        <a:rPr lang="en-US" sz="1800" b="0" dirty="0">
+                          <a:effectLst/>
+                        </a:rPr>
+                        <a:t>Linear Regression</a:t>
+                      </a:r>
+                      <a:endParaRPr lang="en-US" sz="1600" b="0" dirty="0">
+                        <a:effectLst/>
+                        <a:latin typeface="Arial" panose="020B0604020202020204" pitchFamily="34" charset="0"/>
+                        <a:ea typeface="Arial" panose="020B0604020202020204" pitchFamily="34" charset="0"/>
+                      </a:endParaRPr>
+                    </a:p>
+                  </a:txBody>
+                  <a:tcPr marL="101563" marR="101563" marT="0" marB="0"/>
+                </a:tc>
+                <a:tc>
+                  <a:txBody>
+                    <a:bodyPr/>
+                    <a:lstStyle/>
+                    <a:p>
+                      <a:r>
+                        <a:rPr lang="en-US" sz="1600" b="0">
+                          <a:effectLst/>
+                        </a:rPr>
+                        <a:t>0.7429298834704685</a:t>
+                      </a:r>
+                      <a:endParaRPr lang="en-US" sz="1600" b="0">
+                        <a:effectLst/>
+                        <a:latin typeface="Arial" panose="020B0604020202020204" pitchFamily="34" charset="0"/>
+                      </a:endParaRPr>
+                    </a:p>
+                  </a:txBody>
+                  <a:tcPr marL="101563" marR="101563" marT="0" marB="0"/>
+                </a:tc>
+                <a:tc>
+                  <a:txBody>
+                    <a:bodyPr/>
+                    <a:lstStyle/>
+                    <a:p>
+                      <a:r>
+                        <a:rPr lang="en-US" sz="1600" b="0">
+                          <a:effectLst/>
+                        </a:rPr>
+                        <a:t>1.0</a:t>
+                      </a:r>
+                      <a:endParaRPr lang="en-US" sz="1600" b="0">
+                        <a:effectLst/>
+                        <a:latin typeface="Arial" panose="020B0604020202020204" pitchFamily="34" charset="0"/>
+                      </a:endParaRPr>
+                    </a:p>
+                  </a:txBody>
+                  <a:tcPr marL="101563" marR="101563" marT="0" marB="0"/>
+                </a:tc>
+                <a:tc>
+                  <a:txBody>
+                    <a:bodyPr/>
+                    <a:lstStyle/>
+                    <a:p>
+                      <a:r>
+                        <a:rPr lang="en-US" sz="1600" b="0" dirty="0">
+                          <a:effectLst/>
+                        </a:rPr>
+                        <a:t>5.49</a:t>
+                      </a:r>
+                      <a:endParaRPr lang="en-US" sz="1600" b="0" dirty="0">
+                        <a:effectLst/>
+                        <a:latin typeface="Arial" panose="020B0604020202020204" pitchFamily="34" charset="0"/>
+                      </a:endParaRPr>
+                    </a:p>
+                  </a:txBody>
+                  <a:tcPr marL="101563" marR="101563" marT="0" marB="0"/>
+                </a:tc>
+                <a:extLst>
+                  <a:ext uri="{0D108BD9-81ED-4DB2-BD59-A6C34878D82A}">
+                    <a16:rowId xmlns:a16="http://schemas.microsoft.com/office/drawing/2014/main" val="2447690163"/>
+                  </a:ext>
+                </a:extLst>
+              </a:tr>
+            </a:tbl>
+          </a:graphicData>
+        </a:graphic>
+      </p:graphicFrame>
+    </p:spTree>
+    <p:extLst>
+      <p:ext uri="{BB962C8B-B14F-4D97-AF65-F5344CB8AC3E}">
+        <p14:creationId xmlns:p14="http://schemas.microsoft.com/office/powerpoint/2010/main" val="2842863223"/>
+      </p:ext>
+    </p:extLst>
+  </p:cSld>
+  <p:clrMapOvr>
+    <a:masterClrMapping/>
+  </p:clrMapOvr>
+</p:sld>
+</file>
+
+<file path=ppt/slides/slide13.xml><?xml version="1.0" encoding="utf-8"?>
+<p:sld xmlns:a="http://schemas.openxmlformats.org/drawingml/2006/main" xmlns:r="http://schemas.openxmlformats.org/officeDocument/2006/relationships" xmlns:p="http://schemas.openxmlformats.org/presentationml/2006/main">
+  <p:cSld>
+    <p:spTree>
+      <p:nvGrpSpPr>
+        <p:cNvPr id="1" name=""/>
+        <p:cNvGrpSpPr/>
+        <p:nvPr/>
+      </p:nvGrpSpPr>
+      <p:grpSpPr>
+        <a:xfrm>
+          <a:off x="0" y="0"/>
+          <a:ext cx="0" cy="0"/>
+          <a:chOff x="0" y="0"/>
+          <a:chExt cx="0" cy="0"/>
+        </a:xfrm>
+      </p:grpSpPr>
+      <p:sp>
+        <p:nvSpPr>
+          <p:cNvPr id="2" name="Title 1">
+            <a:extLst>
+              <a:ext uri="{FF2B5EF4-FFF2-40B4-BE49-F238E27FC236}">
+                <a16:creationId xmlns:a16="http://schemas.microsoft.com/office/drawing/2014/main" id="{85B34EDD-2F81-4024-8B33-7BE7E20DE58F}"/>
+              </a:ext>
+            </a:extLst>
+          </p:cNvPr>
+          <p:cNvSpPr>
+            <a:spLocks noGrp="1"/>
+          </p:cNvSpPr>
+          <p:nvPr>
+            <p:ph type="title"/>
+          </p:nvPr>
+        </p:nvSpPr>
+        <p:spPr/>
+        <p:txBody>
+          <a:bodyPr/>
+          <a:lstStyle/>
+          <a:p>
+            <a:r>
+              <a:rPr lang="en-US" dirty="0"/>
+              <a:t>Important Feature</a:t>
+            </a:r>
+          </a:p>
+        </p:txBody>
+      </p:sp>
+      <p:sp>
+        <p:nvSpPr>
+          <p:cNvPr id="4" name="Slide Number Placeholder 3">
+            <a:extLst>
+              <a:ext uri="{FF2B5EF4-FFF2-40B4-BE49-F238E27FC236}">
+                <a16:creationId xmlns:a16="http://schemas.microsoft.com/office/drawing/2014/main" id="{A8F6E48F-2B40-4793-9D6F-B8F938BB635D}"/>
+              </a:ext>
+            </a:extLst>
+          </p:cNvPr>
+          <p:cNvSpPr>
+            <a:spLocks noGrp="1"/>
+          </p:cNvSpPr>
+          <p:nvPr>
+            <p:ph type="sldNum" sz="quarter" idx="12"/>
+          </p:nvPr>
+        </p:nvSpPr>
+        <p:spPr/>
+        <p:txBody>
+          <a:bodyPr/>
+          <a:lstStyle/>
+          <a:p>
+            <a:fld id="{A7D51BD6-EB65-44FA-96DB-E56A29518AEB}" type="slidenum">
+              <a:rPr lang="en-US" smtClean="0"/>
+              <a:t>13</a:t>
+            </a:fld>
+            <a:endParaRPr lang="en-US"/>
+          </a:p>
+        </p:txBody>
+      </p:sp>
+      <p:pic>
+        <p:nvPicPr>
+          <p:cNvPr id="5" name="Content Placeholder 4">
+            <a:extLst>
+              <a:ext uri="{FF2B5EF4-FFF2-40B4-BE49-F238E27FC236}">
+                <a16:creationId xmlns:a16="http://schemas.microsoft.com/office/drawing/2014/main" id="{729F4DD3-F6B5-4768-8DD9-C0D0760ACABD}"/>
+              </a:ext>
+            </a:extLst>
+          </p:cNvPr>
+          <p:cNvPicPr>
+            <a:picLocks noGrp="1"/>
+          </p:cNvPicPr>
+          <p:nvPr>
+            <p:ph sz="quarter" idx="13"/>
+          </p:nvPr>
+        </p:nvPicPr>
+        <p:blipFill>
+          <a:blip r:embed="rId2"/>
+          <a:stretch>
+            <a:fillRect/>
+          </a:stretch>
+        </p:blipFill>
+        <p:spPr>
+          <a:xfrm>
+            <a:off x="979924" y="1909745"/>
+            <a:ext cx="5644395" cy="3311525"/>
+          </a:xfrm>
+          <a:prstGeom prst="rect">
+            <a:avLst/>
+          </a:prstGeom>
+        </p:spPr>
+      </p:pic>
+      <p:sp>
+        <p:nvSpPr>
+          <p:cNvPr id="6" name="TextBox 5">
+            <a:extLst>
+              <a:ext uri="{FF2B5EF4-FFF2-40B4-BE49-F238E27FC236}">
+                <a16:creationId xmlns:a16="http://schemas.microsoft.com/office/drawing/2014/main" id="{8575E450-73F5-4E92-B3DC-DDA9CD4862B7}"/>
+              </a:ext>
+            </a:extLst>
+          </p:cNvPr>
+          <p:cNvSpPr txBox="1"/>
+          <p:nvPr/>
+        </p:nvSpPr>
+        <p:spPr>
+          <a:xfrm>
+            <a:off x="7194307" y="1909745"/>
+            <a:ext cx="3261360" cy="1754326"/>
+          </a:xfrm>
+          <a:prstGeom prst="rect">
+            <a:avLst/>
+          </a:prstGeom>
+          <a:noFill/>
+        </p:spPr>
+        <p:txBody>
+          <a:bodyPr wrap="square" rtlCol="0">
+            <a:spAutoFit/>
+          </a:bodyPr>
+          <a:lstStyle/>
+          <a:p>
+            <a:r>
+              <a:rPr lang="en-US" dirty="0"/>
+              <a:t>Dislikes the most important feature</a:t>
+            </a:r>
+          </a:p>
+          <a:p>
+            <a:endParaRPr lang="en-US" dirty="0"/>
+          </a:p>
+          <a:p>
+            <a:r>
+              <a:rPr lang="en-US" dirty="0"/>
+              <a:t>Likes and title features on the list too.</a:t>
+            </a:r>
+          </a:p>
+          <a:p>
+            <a:endParaRPr lang="en-US" dirty="0"/>
+          </a:p>
+        </p:txBody>
+      </p:sp>
+    </p:spTree>
+    <p:extLst>
+      <p:ext uri="{BB962C8B-B14F-4D97-AF65-F5344CB8AC3E}">
+        <p14:creationId xmlns:p14="http://schemas.microsoft.com/office/powerpoint/2010/main" val="1460721252"/>
+      </p:ext>
+    </p:extLst>
+  </p:cSld>
+  <p:clrMapOvr>
+    <a:masterClrMapping/>
+  </p:clrMapOvr>
+</p:sld>
+</file>
+
+<file path=ppt/slides/slide14.xml><?xml version="1.0" encoding="utf-8"?>
+<p:sld xmlns:a="http://schemas.openxmlformats.org/drawingml/2006/main" xmlns:r="http://schemas.openxmlformats.org/officeDocument/2006/relationships" xmlns:p="http://schemas.openxmlformats.org/presentationml/2006/main">
+  <p:cSld>
+    <p:spTree>
+      <p:nvGrpSpPr>
+        <p:cNvPr id="1" name=""/>
+        <p:cNvGrpSpPr/>
+        <p:nvPr/>
+      </p:nvGrpSpPr>
+      <p:grpSpPr>
+        <a:xfrm>
+          <a:off x="0" y="0"/>
+          <a:ext cx="0" cy="0"/>
+          <a:chOff x="0" y="0"/>
+          <a:chExt cx="0" cy="0"/>
+        </a:xfrm>
+      </p:grpSpPr>
+      <p:sp>
+        <p:nvSpPr>
+          <p:cNvPr id="2" name="Title 1">
+            <a:extLst>
+              <a:ext uri="{FF2B5EF4-FFF2-40B4-BE49-F238E27FC236}">
+                <a16:creationId xmlns:a16="http://schemas.microsoft.com/office/drawing/2014/main" id="{7A31472A-19C9-4536-BB09-8F656CB2A801}"/>
+              </a:ext>
+            </a:extLst>
+          </p:cNvPr>
+          <p:cNvSpPr>
+            <a:spLocks noGrp="1"/>
+          </p:cNvSpPr>
+          <p:nvPr>
+            <p:ph type="title"/>
+          </p:nvPr>
+        </p:nvSpPr>
+        <p:spPr/>
+        <p:txBody>
+          <a:bodyPr>
+            <a:normAutofit fontScale="90000"/>
+          </a:bodyPr>
+          <a:lstStyle/>
+          <a:p>
+            <a:br>
+              <a:rPr lang="en-US" dirty="0"/>
+            </a:br>
+            <a:r>
+              <a:rPr lang="en-US" dirty="0"/>
+              <a:t>future work</a:t>
+            </a:r>
+          </a:p>
+        </p:txBody>
+      </p:sp>
+      <p:sp>
+        <p:nvSpPr>
+          <p:cNvPr id="3" name="Content Placeholder 2">
+            <a:extLst>
+              <a:ext uri="{FF2B5EF4-FFF2-40B4-BE49-F238E27FC236}">
+                <a16:creationId xmlns:a16="http://schemas.microsoft.com/office/drawing/2014/main" id="{F64A149C-8A4F-42D2-A632-71A794F5B6C4}"/>
+              </a:ext>
+            </a:extLst>
+          </p:cNvPr>
+          <p:cNvSpPr>
+            <a:spLocks noGrp="1"/>
+          </p:cNvSpPr>
+          <p:nvPr>
+            <p:ph sz="quarter" idx="13"/>
+          </p:nvPr>
+        </p:nvSpPr>
+        <p:spPr/>
+        <p:txBody>
+          <a:bodyPr/>
+          <a:lstStyle/>
+          <a:p>
+            <a:r>
+              <a:rPr lang="en-US" dirty="0"/>
+              <a:t>Applying sentiment analysis on comments to create a more robust “user profile” </a:t>
+            </a:r>
+          </a:p>
+          <a:p>
+            <a:r>
+              <a:rPr lang="en-US"/>
+              <a:t>Using neural networks that can learn hidden features</a:t>
+            </a:r>
+          </a:p>
+          <a:p>
+            <a:endParaRPr lang="en-US" dirty="0"/>
+          </a:p>
+        </p:txBody>
+      </p:sp>
+      <p:sp>
+        <p:nvSpPr>
+          <p:cNvPr id="4" name="Slide Number Placeholder 3">
+            <a:extLst>
+              <a:ext uri="{FF2B5EF4-FFF2-40B4-BE49-F238E27FC236}">
+                <a16:creationId xmlns:a16="http://schemas.microsoft.com/office/drawing/2014/main" id="{E1CFE191-A774-48BA-B4C3-E2A5841CA168}"/>
+              </a:ext>
+            </a:extLst>
+          </p:cNvPr>
+          <p:cNvSpPr>
+            <a:spLocks noGrp="1"/>
+          </p:cNvSpPr>
+          <p:nvPr>
+            <p:ph type="sldNum" sz="quarter" idx="12"/>
+          </p:nvPr>
+        </p:nvSpPr>
+        <p:spPr/>
+        <p:txBody>
+          <a:bodyPr/>
+          <a:lstStyle/>
+          <a:p>
+            <a:fld id="{A7D51BD6-EB65-44FA-96DB-E56A29518AEB}" type="slidenum">
+              <a:rPr lang="en-US" smtClean="0"/>
+              <a:t>14</a:t>
+            </a:fld>
+            <a:endParaRPr lang="en-US"/>
+          </a:p>
+        </p:txBody>
+      </p:sp>
+    </p:spTree>
+    <p:extLst>
+      <p:ext uri="{BB962C8B-B14F-4D97-AF65-F5344CB8AC3E}">
+        <p14:creationId xmlns:p14="http://schemas.microsoft.com/office/powerpoint/2010/main" val="1249336549"/>
       </p:ext>
     </p:extLst>
   </p:cSld>
